--- a/PrashantGit.pptx
+++ b/PrashantGit.pptx
@@ -3139,7 +3139,9 @@
           </a:fontRef>
         </p:style>
         <p:txBody>
-          <a:bodyPr/>
+          <a:bodyPr>
+            <a:normAutofit lnSpcReduction="10000"/>
+          </a:bodyPr>
           <a:lstStyle/>
           <a:p>
             <a:r>
@@ -3158,7 +3160,21 @@
               <a:rPr lang="en-US" dirty="0" err="1" smtClean="0"/>
               <a:t>Prashant</a:t>
             </a:r>
-            <a:endParaRPr lang="en-US" dirty="0"/>
+            <a:r>
+              <a:rPr lang="en-US" dirty="0" smtClean="0"/>
+              <a:t>.</a:t>
+            </a:r>
+          </a:p>
+          <a:p>
+            <a:r>
+              <a:rPr lang="en-US" sz="1600" dirty="0" smtClean="0"/>
+              <a:t>Checking the working </a:t>
+            </a:r>
+            <a:r>
+              <a:rPr lang="en-US" sz="1600" smtClean="0"/>
+              <a:t>of edit command.</a:t>
+            </a:r>
+            <a:endParaRPr lang="en-US" sz="1600" dirty="0"/>
           </a:p>
         </p:txBody>
       </p:sp>

--- a/PrashantGit.pptx
+++ b/PrashantGit.pptx
@@ -3168,11 +3168,19 @@
           <a:p>
             <a:r>
               <a:rPr lang="en-US" sz="1600" dirty="0" smtClean="0"/>
-              <a:t>Checking the working </a:t>
+              <a:t>Checking the working of edit command</a:t>
+            </a:r>
+            <a:r>
+              <a:rPr lang="en-US" sz="1600" dirty="0" smtClean="0"/>
+              <a:t>. </a:t>
+            </a:r>
+            <a:r>
+              <a:rPr lang="en-US" sz="1600" dirty="0" err="1" smtClean="0"/>
+              <a:t>Rambpw</a:t>
             </a:r>
             <a:r>
               <a:rPr lang="en-US" sz="1600" smtClean="0"/>
-              <a:t>of edit command.</a:t>
+              <a:t>.</a:t>
             </a:r>
             <a:endParaRPr lang="en-US" sz="1600" dirty="0"/>
           </a:p>

--- a/PrashantGit.pptx
+++ b/PrashantGit.pptx
@@ -289,7 +289,7 @@
             <a:fld id="{1D8BD707-D9CF-40AE-B4C6-C98DA3205C09}" type="datetimeFigureOut">
               <a:rPr lang="en-US" smtClean="0"/>
               <a:pPr/>
-              <a:t>15/11/2014</a:t>
+              <a:t>16/11/2014</a:t>
             </a:fld>
             <a:endParaRPr lang="en-US"/>
           </a:p>
@@ -456,7 +456,7 @@
             <a:fld id="{1D8BD707-D9CF-40AE-B4C6-C98DA3205C09}" type="datetimeFigureOut">
               <a:rPr lang="en-US" smtClean="0"/>
               <a:pPr/>
-              <a:t>15/11/2014</a:t>
+              <a:t>16/11/2014</a:t>
             </a:fld>
             <a:endParaRPr lang="en-US"/>
           </a:p>
@@ -633,7 +633,7 @@
             <a:fld id="{1D8BD707-D9CF-40AE-B4C6-C98DA3205C09}" type="datetimeFigureOut">
               <a:rPr lang="en-US" smtClean="0"/>
               <a:pPr/>
-              <a:t>15/11/2014</a:t>
+              <a:t>16/11/2014</a:t>
             </a:fld>
             <a:endParaRPr lang="en-US"/>
           </a:p>
@@ -800,7 +800,7 @@
             <a:fld id="{1D8BD707-D9CF-40AE-B4C6-C98DA3205C09}" type="datetimeFigureOut">
               <a:rPr lang="en-US" smtClean="0"/>
               <a:pPr/>
-              <a:t>15/11/2014</a:t>
+              <a:t>16/11/2014</a:t>
             </a:fld>
             <a:endParaRPr lang="en-US"/>
           </a:p>
@@ -1043,7 +1043,7 @@
             <a:fld id="{1D8BD707-D9CF-40AE-B4C6-C98DA3205C09}" type="datetimeFigureOut">
               <a:rPr lang="en-US" smtClean="0"/>
               <a:pPr/>
-              <a:t>15/11/2014</a:t>
+              <a:t>16/11/2014</a:t>
             </a:fld>
             <a:endParaRPr lang="en-US"/>
           </a:p>
@@ -1328,7 +1328,7 @@
             <a:fld id="{1D8BD707-D9CF-40AE-B4C6-C98DA3205C09}" type="datetimeFigureOut">
               <a:rPr lang="en-US" smtClean="0"/>
               <a:pPr/>
-              <a:t>15/11/2014</a:t>
+              <a:t>16/11/2014</a:t>
             </a:fld>
             <a:endParaRPr lang="en-US"/>
           </a:p>
@@ -1747,7 +1747,7 @@
             <a:fld id="{1D8BD707-D9CF-40AE-B4C6-C98DA3205C09}" type="datetimeFigureOut">
               <a:rPr lang="en-US" smtClean="0"/>
               <a:pPr/>
-              <a:t>15/11/2014</a:t>
+              <a:t>16/11/2014</a:t>
             </a:fld>
             <a:endParaRPr lang="en-US"/>
           </a:p>
@@ -1862,7 +1862,7 @@
             <a:fld id="{1D8BD707-D9CF-40AE-B4C6-C98DA3205C09}" type="datetimeFigureOut">
               <a:rPr lang="en-US" smtClean="0"/>
               <a:pPr/>
-              <a:t>15/11/2014</a:t>
+              <a:t>16/11/2014</a:t>
             </a:fld>
             <a:endParaRPr lang="en-US"/>
           </a:p>
@@ -1954,7 +1954,7 @@
             <a:fld id="{1D8BD707-D9CF-40AE-B4C6-C98DA3205C09}" type="datetimeFigureOut">
               <a:rPr lang="en-US" smtClean="0"/>
               <a:pPr/>
-              <a:t>15/11/2014</a:t>
+              <a:t>16/11/2014</a:t>
             </a:fld>
             <a:endParaRPr lang="en-US"/>
           </a:p>
@@ -2228,7 +2228,7 @@
             <a:fld id="{1D8BD707-D9CF-40AE-B4C6-C98DA3205C09}" type="datetimeFigureOut">
               <a:rPr lang="en-US" smtClean="0"/>
               <a:pPr/>
-              <a:t>15/11/2014</a:t>
+              <a:t>16/11/2014</a:t>
             </a:fld>
             <a:endParaRPr lang="en-US"/>
           </a:p>
@@ -2478,7 +2478,7 @@
             <a:fld id="{1D8BD707-D9CF-40AE-B4C6-C98DA3205C09}" type="datetimeFigureOut">
               <a:rPr lang="en-US" smtClean="0"/>
               <a:pPr/>
-              <a:t>15/11/2014</a:t>
+              <a:t>16/11/2014</a:t>
             </a:fld>
             <a:endParaRPr lang="en-US"/>
           </a:p>
@@ -2688,7 +2688,7 @@
             <a:fld id="{1D8BD707-D9CF-40AE-B4C6-C98DA3205C09}" type="datetimeFigureOut">
               <a:rPr lang="en-US" smtClean="0"/>
               <a:pPr/>
-              <a:t>15/11/2014</a:t>
+              <a:t>16/11/2014</a:t>
             </a:fld>
             <a:endParaRPr lang="en-US"/>
           </a:p>
@@ -3118,7 +3118,7 @@
         <p:spPr>
           <a:xfrm>
             <a:off x="1371600" y="2438400"/>
-            <a:ext cx="6400800" cy="838200"/>
+            <a:ext cx="6400800" cy="1828800"/>
           </a:xfrm>
           <a:solidFill>
             <a:schemeClr val="bg1"/>
@@ -3140,7 +3140,7 @@
         </p:style>
         <p:txBody>
           <a:bodyPr>
-            <a:normAutofit lnSpcReduction="10000"/>
+            <a:normAutofit/>
           </a:bodyPr>
           <a:lstStyle/>
           <a:p>
@@ -3168,20 +3168,29 @@
           <a:p>
             <a:r>
               <a:rPr lang="en-US" sz="1600" dirty="0" smtClean="0"/>
-              <a:t>Checking the working of edit command</a:t>
-            </a:r>
-            <a:r>
-              <a:rPr lang="en-US" sz="1600" dirty="0" smtClean="0"/>
-              <a:t>. </a:t>
+              <a:t>Checking the working of edit command. </a:t>
             </a:r>
             <a:r>
               <a:rPr lang="en-US" sz="1600" dirty="0" err="1" smtClean="0"/>
               <a:t>Rambpw</a:t>
             </a:r>
             <a:r>
+              <a:rPr lang="en-US" sz="1600" dirty="0" smtClean="0"/>
+              <a:t>.</a:t>
+            </a:r>
+          </a:p>
+          <a:p>
+            <a:r>
+              <a:rPr lang="en-US" sz="1600" dirty="0" smtClean="0"/>
+              <a:t>Direct Commit </a:t>
+            </a:r>
+            <a:r>
               <a:rPr lang="en-US" sz="1600" smtClean="0"/>
-              <a:t>.</a:t>
-            </a:r>
+              <a:t>to repository.</a:t>
+            </a:r>
+            <a:endParaRPr lang="en-US" sz="1600" dirty="0" smtClean="0"/>
+          </a:p>
+          <a:p>
             <a:endParaRPr lang="en-US" sz="1600" dirty="0"/>
           </a:p>
         </p:txBody>
